--- a/Presentation1.pptx
+++ b/Presentation1.pptx
@@ -3414,6 +3414,27 @@
             <a:prstGeom prst="moon">
               <a:avLst/>
             </a:prstGeom>
+            <a:gradFill>
+              <a:gsLst>
+                <a:gs pos="0">
+                  <a:srgbClr val="FF9900"/>
+                </a:gs>
+                <a:gs pos="50000">
+                  <a:schemeClr val="accent2">
+                    <a:satMod val="110000"/>
+                    <a:lumMod val="100000"/>
+                    <a:shade val="100000"/>
+                  </a:schemeClr>
+                </a:gs>
+                <a:gs pos="100000">
+                  <a:schemeClr val="accent2">
+                    <a:lumMod val="99000"/>
+                    <a:satMod val="120000"/>
+                    <a:shade val="78000"/>
+                  </a:schemeClr>
+                </a:gs>
+              </a:gsLst>
+            </a:gradFill>
           </p:spPr>
           <p:style>
             <a:lnRef idx="1">
@@ -3452,6 +3473,27 @@
             <a:prstGeom prst="moon">
               <a:avLst/>
             </a:prstGeom>
+            <a:gradFill>
+              <a:gsLst>
+                <a:gs pos="0">
+                  <a:srgbClr val="FF9900"/>
+                </a:gs>
+                <a:gs pos="50000">
+                  <a:schemeClr val="accent2">
+                    <a:satMod val="110000"/>
+                    <a:lumMod val="100000"/>
+                    <a:shade val="100000"/>
+                  </a:schemeClr>
+                </a:gs>
+                <a:gs pos="100000">
+                  <a:schemeClr val="accent2">
+                    <a:lumMod val="99000"/>
+                    <a:satMod val="120000"/>
+                    <a:shade val="78000"/>
+                  </a:schemeClr>
+                </a:gs>
+              </a:gsLst>
+            </a:gradFill>
           </p:spPr>
           <p:style>
             <a:lnRef idx="1">
@@ -3490,6 +3532,27 @@
             <a:prstGeom prst="moon">
               <a:avLst/>
             </a:prstGeom>
+            <a:gradFill>
+              <a:gsLst>
+                <a:gs pos="0">
+                  <a:srgbClr val="FF9900"/>
+                </a:gs>
+                <a:gs pos="50000">
+                  <a:schemeClr val="accent2">
+                    <a:satMod val="110000"/>
+                    <a:lumMod val="100000"/>
+                    <a:shade val="100000"/>
+                  </a:schemeClr>
+                </a:gs>
+                <a:gs pos="100000">
+                  <a:schemeClr val="accent2">
+                    <a:lumMod val="99000"/>
+                    <a:satMod val="120000"/>
+                    <a:shade val="78000"/>
+                  </a:schemeClr>
+                </a:gs>
+              </a:gsLst>
+            </a:gradFill>
           </p:spPr>
           <p:style>
             <a:lnRef idx="1">
@@ -3528,6 +3591,27 @@
             <a:prstGeom prst="moon">
               <a:avLst/>
             </a:prstGeom>
+            <a:gradFill>
+              <a:gsLst>
+                <a:gs pos="0">
+                  <a:srgbClr val="FF9900"/>
+                </a:gs>
+                <a:gs pos="50000">
+                  <a:schemeClr val="accent2">
+                    <a:satMod val="110000"/>
+                    <a:lumMod val="100000"/>
+                    <a:shade val="100000"/>
+                  </a:schemeClr>
+                </a:gs>
+                <a:gs pos="100000">
+                  <a:schemeClr val="accent2">
+                    <a:lumMod val="99000"/>
+                    <a:satMod val="120000"/>
+                    <a:shade val="78000"/>
+                  </a:schemeClr>
+                </a:gs>
+              </a:gsLst>
+            </a:gradFill>
           </p:spPr>
           <p:style>
             <a:lnRef idx="1">
@@ -3566,6 +3650,27 @@
             <a:prstGeom prst="moon">
               <a:avLst/>
             </a:prstGeom>
+            <a:gradFill>
+              <a:gsLst>
+                <a:gs pos="0">
+                  <a:srgbClr val="FF9900"/>
+                </a:gs>
+                <a:gs pos="50000">
+                  <a:schemeClr val="accent2">
+                    <a:satMod val="110000"/>
+                    <a:lumMod val="100000"/>
+                    <a:shade val="100000"/>
+                  </a:schemeClr>
+                </a:gs>
+                <a:gs pos="100000">
+                  <a:schemeClr val="accent2">
+                    <a:lumMod val="99000"/>
+                    <a:satMod val="120000"/>
+                    <a:shade val="78000"/>
+                  </a:schemeClr>
+                </a:gs>
+              </a:gsLst>
+            </a:gradFill>
           </p:spPr>
           <p:style>
             <a:lnRef idx="1">
@@ -3604,6 +3709,14 @@
             <a:prstGeom prst="ellipse">
               <a:avLst/>
             </a:prstGeom>
+            <a:pattFill prst="lgConfetti">
+              <a:fgClr>
+                <a:schemeClr val="accent4"/>
+              </a:fgClr>
+              <a:bgClr>
+                <a:srgbClr val="FFFF00"/>
+              </a:bgClr>
+            </a:pattFill>
           </p:spPr>
           <p:style>
             <a:lnRef idx="2">
@@ -3929,6 +4042,14 @@
             <a:prstGeom prst="ellipse">
               <a:avLst/>
             </a:prstGeom>
+            <a:pattFill prst="lgConfetti">
+              <a:fgClr>
+                <a:schemeClr val="accent4"/>
+              </a:fgClr>
+              <a:bgClr>
+                <a:srgbClr val="FFFF00"/>
+              </a:bgClr>
+            </a:pattFill>
           </p:spPr>
           <p:style>
             <a:lnRef idx="2">
@@ -4029,9 +4150,20 @@
                 <a:gd name="adj" fmla="val 6978"/>
               </a:avLst>
             </a:prstGeom>
-            <a:solidFill>
-              <a:srgbClr val="7E5D00"/>
-            </a:solidFill>
+            <a:gradFill>
+              <a:gsLst>
+                <a:gs pos="0">
+                  <a:srgbClr val="EFCF75"/>
+                </a:gs>
+                <a:gs pos="47000">
+                  <a:srgbClr val="7E574E"/>
+                </a:gs>
+                <a:gs pos="98000">
+                  <a:srgbClr val="4B3A09"/>
+                </a:gs>
+              </a:gsLst>
+              <a:lin ang="5400000" scaled="0"/>
+            </a:gradFill>
             <a:ln w="0"/>
           </p:spPr>
           <p:style>
@@ -4090,21 +4222,13 @@
               <a:gradFill>
                 <a:gsLst>
                   <a:gs pos="0">
-                    <a:srgbClr val="B3A44D"/>
+                    <a:srgbClr val="7E574E"/>
                   </a:gs>
-                  <a:gs pos="82000">
-                    <a:schemeClr val="accent2">
-                      <a:satMod val="110000"/>
-                      <a:lumMod val="100000"/>
-                      <a:shade val="100000"/>
-                    </a:schemeClr>
+                  <a:gs pos="48000">
+                    <a:srgbClr val="C6B496"/>
                   </a:gs>
                   <a:gs pos="98000">
-                    <a:schemeClr val="accent2">
-                      <a:lumMod val="99000"/>
-                      <a:satMod val="120000"/>
-                      <a:shade val="78000"/>
-                    </a:schemeClr>
+                    <a:srgbClr val="EFCF75"/>
                   </a:gs>
                 </a:gsLst>
                 <a:lin ang="5400000" scaled="0"/>
@@ -4155,21 +4279,13 @@
               <a:gradFill>
                 <a:gsLst>
                   <a:gs pos="0">
-                    <a:srgbClr val="B3A44D"/>
+                    <a:srgbClr val="7E574E"/>
                   </a:gs>
-                  <a:gs pos="82000">
-                    <a:schemeClr val="accent2">
-                      <a:satMod val="110000"/>
-                      <a:lumMod val="100000"/>
-                      <a:shade val="100000"/>
-                    </a:schemeClr>
+                  <a:gs pos="48000">
+                    <a:srgbClr val="C6B496"/>
                   </a:gs>
                   <a:gs pos="98000">
-                    <a:schemeClr val="accent2">
-                      <a:lumMod val="99000"/>
-                      <a:satMod val="120000"/>
-                      <a:shade val="78000"/>
-                    </a:schemeClr>
+                    <a:srgbClr val="EFCF75"/>
                   </a:gs>
                 </a:gsLst>
                 <a:lin ang="5400000" scaled="0"/>
@@ -4220,21 +4336,13 @@
               <a:gradFill>
                 <a:gsLst>
                   <a:gs pos="0">
-                    <a:srgbClr val="B3A44D"/>
+                    <a:srgbClr val="7E574E"/>
                   </a:gs>
-                  <a:gs pos="82000">
-                    <a:schemeClr val="accent2">
-                      <a:satMod val="110000"/>
-                      <a:lumMod val="100000"/>
-                      <a:shade val="100000"/>
-                    </a:schemeClr>
+                  <a:gs pos="48000">
+                    <a:srgbClr val="C6B496"/>
                   </a:gs>
                   <a:gs pos="98000">
-                    <a:schemeClr val="accent2">
-                      <a:lumMod val="99000"/>
-                      <a:satMod val="120000"/>
-                      <a:shade val="78000"/>
-                    </a:schemeClr>
+                    <a:srgbClr val="EFCF75"/>
                   </a:gs>
                 </a:gsLst>
                 <a:lin ang="5400000" scaled="0"/>
@@ -4285,21 +4393,13 @@
               <a:gradFill>
                 <a:gsLst>
                   <a:gs pos="0">
-                    <a:srgbClr val="B3A44D"/>
+                    <a:srgbClr val="7E574E"/>
                   </a:gs>
-                  <a:gs pos="82000">
-                    <a:schemeClr val="accent2">
-                      <a:satMod val="110000"/>
-                      <a:lumMod val="100000"/>
-                      <a:shade val="100000"/>
-                    </a:schemeClr>
+                  <a:gs pos="48000">
+                    <a:srgbClr val="C6B496"/>
                   </a:gs>
                   <a:gs pos="98000">
-                    <a:schemeClr val="accent2">
-                      <a:lumMod val="99000"/>
-                      <a:satMod val="120000"/>
-                      <a:shade val="78000"/>
-                    </a:schemeClr>
+                    <a:srgbClr val="EFCF75"/>
                   </a:gs>
                 </a:gsLst>
                 <a:lin ang="5400000" scaled="0"/>
@@ -4350,21 +4450,13 @@
               <a:gradFill>
                 <a:gsLst>
                   <a:gs pos="0">
-                    <a:srgbClr val="B3A44D"/>
+                    <a:srgbClr val="7E574E"/>
                   </a:gs>
-                  <a:gs pos="82000">
-                    <a:schemeClr val="accent2">
-                      <a:satMod val="110000"/>
-                      <a:lumMod val="100000"/>
-                      <a:shade val="100000"/>
-                    </a:schemeClr>
+                  <a:gs pos="48000">
+                    <a:srgbClr val="C6B496"/>
                   </a:gs>
                   <a:gs pos="98000">
-                    <a:schemeClr val="accent2">
-                      <a:lumMod val="99000"/>
-                      <a:satMod val="120000"/>
-                      <a:shade val="78000"/>
-                    </a:schemeClr>
+                    <a:srgbClr val="EFCF75"/>
                   </a:gs>
                 </a:gsLst>
                 <a:lin ang="5400000" scaled="0"/>
@@ -4412,9 +4504,14 @@
               <a:prstGeom prst="ellipse">
                 <a:avLst/>
               </a:prstGeom>
-              <a:solidFill>
-                <a:srgbClr val="C09200"/>
-              </a:solidFill>
+              <a:pattFill prst="lgConfetti">
+                <a:fgClr>
+                  <a:srgbClr val="C58869"/>
+                </a:fgClr>
+                <a:bgClr>
+                  <a:srgbClr val="EFCF75"/>
+                </a:bgClr>
+              </a:pattFill>
             </p:spPr>
             <p:style>
               <a:lnRef idx="2">
@@ -4741,6 +4838,14 @@
             <a:prstGeom prst="ellipse">
               <a:avLst/>
             </a:prstGeom>
+            <a:pattFill prst="lgConfetti">
+              <a:fgClr>
+                <a:schemeClr val="accent4"/>
+              </a:fgClr>
+              <a:bgClr>
+                <a:srgbClr val="FFFF00"/>
+              </a:bgClr>
+            </a:pattFill>
           </p:spPr>
           <p:style>
             <a:lnRef idx="2">
@@ -5066,6 +5171,14 @@
             <a:prstGeom prst="ellipse">
               <a:avLst/>
             </a:prstGeom>
+            <a:pattFill prst="lgConfetti">
+              <a:fgClr>
+                <a:schemeClr val="accent4"/>
+              </a:fgClr>
+              <a:bgClr>
+                <a:srgbClr val="FFFF00"/>
+              </a:bgClr>
+            </a:pattFill>
           </p:spPr>
           <p:style>
             <a:lnRef idx="2">
@@ -5391,6 +5504,14 @@
             <a:prstGeom prst="ellipse">
               <a:avLst/>
             </a:prstGeom>
+            <a:pattFill prst="lgConfetti">
+              <a:fgClr>
+                <a:schemeClr val="accent4"/>
+              </a:fgClr>
+              <a:bgClr>
+                <a:srgbClr val="FFFF00"/>
+              </a:bgClr>
+            </a:pattFill>
           </p:spPr>
           <p:style>
             <a:lnRef idx="2">
@@ -5716,6 +5837,14 @@
             <a:prstGeom prst="ellipse">
               <a:avLst/>
             </a:prstGeom>
+            <a:pattFill prst="lgConfetti">
+              <a:fgClr>
+                <a:schemeClr val="accent4"/>
+              </a:fgClr>
+              <a:bgClr>
+                <a:srgbClr val="FFFF00"/>
+              </a:bgClr>
+            </a:pattFill>
           </p:spPr>
           <p:style>
             <a:lnRef idx="2">
@@ -6041,6 +6170,14 @@
             <a:prstGeom prst="ellipse">
               <a:avLst/>
             </a:prstGeom>
+            <a:pattFill prst="lgConfetti">
+              <a:fgClr>
+                <a:schemeClr val="accent4"/>
+              </a:fgClr>
+              <a:bgClr>
+                <a:srgbClr val="FFFF00"/>
+              </a:bgClr>
+            </a:pattFill>
           </p:spPr>
           <p:style>
             <a:lnRef idx="2">
@@ -6366,6 +6503,14 @@
             <a:prstGeom prst="ellipse">
               <a:avLst/>
             </a:prstGeom>
+            <a:pattFill prst="lgConfetti">
+              <a:fgClr>
+                <a:schemeClr val="accent4"/>
+              </a:fgClr>
+              <a:bgClr>
+                <a:srgbClr val="FFFF00"/>
+              </a:bgClr>
+            </a:pattFill>
           </p:spPr>
           <p:style>
             <a:lnRef idx="2">
@@ -6691,6 +6836,14 @@
             <a:prstGeom prst="ellipse">
               <a:avLst/>
             </a:prstGeom>
+            <a:pattFill prst="lgConfetti">
+              <a:fgClr>
+                <a:schemeClr val="accent4"/>
+              </a:fgClr>
+              <a:bgClr>
+                <a:srgbClr val="FFFF00"/>
+              </a:bgClr>
+            </a:pattFill>
           </p:spPr>
           <p:style>
             <a:lnRef idx="2">
@@ -7016,6 +7169,14 @@
             <a:prstGeom prst="ellipse">
               <a:avLst/>
             </a:prstGeom>
+            <a:pattFill prst="lgConfetti">
+              <a:fgClr>
+                <a:schemeClr val="accent4"/>
+              </a:fgClr>
+              <a:bgClr>
+                <a:srgbClr val="FFFF00"/>
+              </a:bgClr>
+            </a:pattFill>
           </p:spPr>
           <p:style>
             <a:lnRef idx="2">
